--- a/FinalPoster.pptx
+++ b/FinalPoster.pptx
@@ -4125,6 +4125,182 @@
           <a:chExt cx="0" cy="0"/>
         </a:xfrm>
       </p:grpSpPr>
+      <p:sp>
+        <p:nvSpPr>
+          <p:cNvPr id="70" name="Rounded Rectangle 69"/>
+          <p:cNvSpPr/>
+          <p:nvPr/>
+        </p:nvSpPr>
+        <p:spPr bwMode="auto">
+          <a:xfrm>
+            <a:off x="575734" y="21251332"/>
+            <a:ext cx="11650134" cy="1456267"/>
+          </a:xfrm>
+          <a:prstGeom prst="roundRect">
+            <a:avLst/>
+          </a:prstGeom>
+          <a:gradFill>
+            <a:gsLst>
+              <a:gs pos="0">
+                <a:schemeClr val="accent4">
+                  <a:lumMod val="60000"/>
+                  <a:lumOff val="40000"/>
+                </a:schemeClr>
+              </a:gs>
+              <a:gs pos="100000">
+                <a:schemeClr val="accent4">
+                  <a:lumMod val="40000"/>
+                  <a:lumOff val="60000"/>
+                </a:schemeClr>
+              </a:gs>
+            </a:gsLst>
+          </a:gradFill>
+          <a:ln>
+            <a:headEnd type="none" w="med" len="med"/>
+            <a:tailEnd type="none" w="med" len="med"/>
+          </a:ln>
+        </p:spPr>
+        <p:style>
+          <a:lnRef idx="1">
+            <a:schemeClr val="accent4"/>
+          </a:lnRef>
+          <a:fillRef idx="2">
+            <a:schemeClr val="accent4"/>
+          </a:fillRef>
+          <a:effectRef idx="1">
+            <a:schemeClr val="accent4"/>
+          </a:effectRef>
+          <a:fontRef idx="minor">
+            <a:schemeClr val="dk1"/>
+          </a:fontRef>
+        </p:style>
+        <p:txBody>
+          <a:bodyPr vert="horz" wrap="square" lIns="91440" tIns="45720" rIns="91440" bIns="45720" numCol="1" rtlCol="0" anchor="t" anchorCtr="0" compatLnSpc="1">
+            <a:prstTxWarp prst="textNoShape">
+              <a:avLst/>
+            </a:prstTxWarp>
+          </a:bodyPr>
+          <a:lstStyle/>
+          <a:p>
+            <a:pPr marL="0" marR="0" indent="0" algn="l" defTabSz="914400" rtl="0" eaLnBrk="0" fontAlgn="base" latinLnBrk="0" hangingPunct="0">
+              <a:lnSpc>
+                <a:spcPct val="100000"/>
+              </a:lnSpc>
+              <a:spcBef>
+                <a:spcPct val="0"/>
+              </a:spcBef>
+              <a:spcAft>
+                <a:spcPct val="0"/>
+              </a:spcAft>
+              <a:buClrTx/>
+              <a:buSzTx/>
+              <a:buFontTx/>
+              <a:buNone/>
+              <a:tabLst/>
+            </a:pPr>
+            <a:endParaRPr kumimoji="0" lang="en-US" sz="2400" b="0" i="0" u="none" strike="noStrike" cap="none" normalizeH="0" baseline="0">
+              <a:ln>
+                <a:noFill/>
+              </a:ln>
+              <a:solidFill>
+                <a:schemeClr val="tx1"/>
+              </a:solidFill>
+              <a:effectLst/>
+              <a:latin typeface="Arial" pitchFamily="80" charset="0"/>
+              <a:ea typeface="ヒラギノ角ゴ Pro W3" pitchFamily="80" charset="-128"/>
+              <a:cs typeface="ヒラギノ角ゴ Pro W3" pitchFamily="80" charset="-128"/>
+            </a:endParaRPr>
+          </a:p>
+        </p:txBody>
+      </p:sp>
+      <p:sp>
+        <p:nvSpPr>
+          <p:cNvPr id="58" name="Rounded Rectangle 57"/>
+          <p:cNvSpPr/>
+          <p:nvPr/>
+        </p:nvSpPr>
+        <p:spPr bwMode="auto">
+          <a:xfrm>
+            <a:off x="423333" y="14918267"/>
+            <a:ext cx="11802534" cy="1693334"/>
+          </a:xfrm>
+          <a:prstGeom prst="roundRect">
+            <a:avLst/>
+          </a:prstGeom>
+          <a:gradFill>
+            <a:gsLst>
+              <a:gs pos="0">
+                <a:schemeClr val="accent4">
+                  <a:lumMod val="60000"/>
+                  <a:lumOff val="40000"/>
+                </a:schemeClr>
+              </a:gs>
+              <a:gs pos="100000">
+                <a:schemeClr val="accent4">
+                  <a:lumMod val="40000"/>
+                  <a:lumOff val="60000"/>
+                </a:schemeClr>
+              </a:gs>
+            </a:gsLst>
+          </a:gradFill>
+          <a:ln>
+            <a:headEnd type="none" w="med" len="med"/>
+            <a:tailEnd type="none" w="med" len="med"/>
+          </a:ln>
+        </p:spPr>
+        <p:style>
+          <a:lnRef idx="1">
+            <a:schemeClr val="accent4"/>
+          </a:lnRef>
+          <a:fillRef idx="2">
+            <a:schemeClr val="accent4"/>
+          </a:fillRef>
+          <a:effectRef idx="1">
+            <a:schemeClr val="accent4"/>
+          </a:effectRef>
+          <a:fontRef idx="minor">
+            <a:schemeClr val="dk1"/>
+          </a:fontRef>
+        </p:style>
+        <p:txBody>
+          <a:bodyPr vert="horz" wrap="square" lIns="91440" tIns="45720" rIns="91440" bIns="45720" numCol="1" rtlCol="0" anchor="t" anchorCtr="0" compatLnSpc="1">
+            <a:prstTxWarp prst="textNoShape">
+              <a:avLst/>
+            </a:prstTxWarp>
+          </a:bodyPr>
+          <a:lstStyle/>
+          <a:p>
+            <a:pPr marL="0" marR="0" indent="0" algn="l" defTabSz="914400" rtl="0" eaLnBrk="0" fontAlgn="base" latinLnBrk="0" hangingPunct="0">
+              <a:lnSpc>
+                <a:spcPct val="100000"/>
+              </a:lnSpc>
+              <a:spcBef>
+                <a:spcPct val="0"/>
+              </a:spcBef>
+              <a:spcAft>
+                <a:spcPct val="0"/>
+              </a:spcAft>
+              <a:buClrTx/>
+              <a:buSzTx/>
+              <a:buFontTx/>
+              <a:buNone/>
+              <a:tabLst/>
+            </a:pPr>
+            <a:endParaRPr kumimoji="0" lang="en-US" sz="2400" b="0" i="0" u="none" strike="noStrike" cap="none" normalizeH="0" baseline="0">
+              <a:ln>
+                <a:noFill/>
+              </a:ln>
+              <a:solidFill>
+                <a:schemeClr val="tx1"/>
+              </a:solidFill>
+              <a:effectLst/>
+              <a:latin typeface="Arial" pitchFamily="80" charset="0"/>
+              <a:ea typeface="ヒラギノ角ゴ Pro W3" pitchFamily="80" charset="-128"/>
+              <a:cs typeface="ヒラギノ角ゴ Pro W3" pitchFamily="80" charset="-128"/>
+            </a:endParaRPr>
+          </a:p>
+        </p:txBody>
+      </p:sp>
       <p:pic>
         <p:nvPicPr>
           <p:cNvPr id="29" name="Picture 28" descr="AliceSmooth.png"/>
@@ -4177,7 +4353,7 @@
         </p:blipFill>
         <p:spPr>
           <a:xfrm>
-            <a:off x="2878667" y="29606190"/>
+            <a:off x="2878667" y="29640056"/>
             <a:ext cx="7038712" cy="2838855"/>
           </a:xfrm>
           <a:prstGeom prst="rect">
@@ -4222,20 +4398,11 @@
                   <a:srgbClr val="A6A6A6"/>
                 </a:solidFill>
               </a:rPr>
-              <a:t>Put your title here</a:t>
-            </a:r>
-            <a:endParaRPr lang="en-US" sz="6000" dirty="0">
-              <a:solidFill>
-                <a:srgbClr val="A6A6A6"/>
-              </a:solidFill>
-            </a:endParaRPr>
-          </a:p>
-          <a:p>
-            <a:pPr algn="ctr">
-              <a:spcBef>
-                <a:spcPts val="600"/>
-              </a:spcBef>
-            </a:pPr>
+              <a:t>Mapping Emotional Landscapes of Fiction using Machine Learning Techniques</a:t>
+            </a:r>
+          </a:p>
+          <a:p>
+            <a:pPr algn="ctr"/>
             <a:r>
               <a:rPr lang="en-US" sz="4000" b="1" dirty="0" smtClean="0">
                 <a:solidFill>
@@ -4834,7 +5001,7 @@
         <p:spPr>
           <a:xfrm>
             <a:off x="575733" y="10735734"/>
-            <a:ext cx="11633200" cy="19035980"/>
+            <a:ext cx="11633200" cy="19128313"/>
           </a:xfrm>
           <a:prstGeom prst="rect">
             <a:avLst/>
@@ -4895,7 +5062,7 @@
                   <a:srgbClr val="000000"/>
                 </a:solidFill>
               </a:rPr>
-              <a:t>This experiment focused only on the emotion experienced and the recount of the situation. All recounts are told in first-person and rarely span more than three sentences:</a:t>
+              <a:t>This experiment focused only on the emotion experienced and the testimony of the situation. All testimonies are told in first-person and rarely span more than three sentences:</a:t>
             </a:r>
           </a:p>
           <a:p>
@@ -4912,6 +5079,7 @@
                 <a:solidFill>
                   <a:srgbClr val="000000"/>
                 </a:solidFill>
+                <a:latin typeface="+mn-lt"/>
               </a:rPr>
               <a:t>	</a:t>
             </a:r>
@@ -4920,40 +5088,54 @@
                 <a:solidFill>
                   <a:srgbClr val="000000"/>
                 </a:solidFill>
-              </a:rPr>
-              <a:t>“I </a:t>
+                <a:latin typeface="+mn-lt"/>
+              </a:rPr>
+              <a:t>“</a:t>
             </a:r>
             <a:r>
               <a:rPr lang="en-US" sz="2500" dirty="0">
                 <a:solidFill>
                   <a:srgbClr val="000000"/>
                 </a:solidFill>
-              </a:rPr>
-              <a:t>woke up in the middle of the night of a nightmare, I was alone</a:t>
+                <a:latin typeface="+mn-lt"/>
+              </a:rPr>
+              <a:t>At the butcher's I saw an animal which had just been slaughtered</a:t>
             </a:r>
             <a:r>
               <a:rPr lang="en-US" sz="2500" dirty="0" smtClean="0">
                 <a:solidFill>
                   <a:srgbClr val="000000"/>
                 </a:solidFill>
-              </a:rPr>
-              <a:t>, </a:t>
+                <a:latin typeface="+mn-lt"/>
+              </a:rPr>
+              <a:t>; </a:t>
             </a:r>
             <a:r>
               <a:rPr lang="en-US" sz="2500" dirty="0">
                 <a:solidFill>
                   <a:srgbClr val="000000"/>
                 </a:solidFill>
-              </a:rPr>
-              <a:t>it was very quiet and very dark</a:t>
+                <a:latin typeface="+mn-lt"/>
+              </a:rPr>
+              <a:t>blood was dripping on the floor.</a:t>
+            </a:r>
+            <a:r>
+              <a:rPr lang="en-US" sz="2500" dirty="0">
+                <a:solidFill>
+                  <a:srgbClr val="000000"/>
+                </a:solidFill>
+                <a:latin typeface="+mn-lt"/>
+              </a:rPr>
+              <a:t> </a:t>
             </a:r>
             <a:r>
               <a:rPr lang="en-US" sz="2500" dirty="0" smtClean="0">
                 <a:solidFill>
                   <a:srgbClr val="000000"/>
                 </a:solidFill>
-              </a:rPr>
-              <a:t>.”</a:t>
+                <a:latin typeface="+mn-lt"/>
+              </a:rPr>
+              <a:t>”</a:t>
             </a:r>
           </a:p>
           <a:p>
@@ -4963,6 +5145,7 @@
                 <a:solidFill>
                   <a:srgbClr val="000000"/>
                 </a:solidFill>
+                <a:latin typeface="+mn-lt"/>
               </a:rPr>
               <a:t>“New year's eve 1983/1984, I met my girlfriend.  We stood on the steps outside her parents home and I kissed her for the first time.”</a:t>
             </a:r>
@@ -5354,7 +5537,7 @@
         </p:nvSpPr>
         <p:spPr bwMode="auto">
           <a:xfrm>
-            <a:off x="6299199" y="21743144"/>
+            <a:off x="6299199" y="21844742"/>
             <a:ext cx="186268" cy="372534"/>
           </a:xfrm>
           <a:prstGeom prst="downArrow">
@@ -5428,7 +5611,7 @@
         </p:nvSpPr>
         <p:spPr bwMode="auto">
           <a:xfrm>
-            <a:off x="10929502" y="22128396"/>
+            <a:off x="10929502" y="22229994"/>
             <a:ext cx="500295" cy="192420"/>
           </a:xfrm>
           <a:prstGeom prst="rightArrow">
@@ -5713,7 +5896,7 @@
                   <a:schemeClr val="bg1"/>
                 </a:solidFill>
               </a:rPr>
-              <a:t>As can be seen from the above table, the SVM outperformed the other two models with an accuracy rate of 0.580, roughly </a:t>
+              <a:t>As can be seen from figure 1, the SVM outperformed the other two models with an accuracy rate of 0.580, roughly </a:t>
             </a:r>
             <a:r>
               <a:rPr lang="en-US" sz="2500" dirty="0">
@@ -7801,7 +7984,7 @@
         <p:spPr>
           <a:xfrm>
             <a:off x="12666132" y="21132813"/>
-            <a:ext cx="13191067" cy="5632310"/>
+            <a:ext cx="13191067" cy="5262979"/>
           </a:xfrm>
           <a:prstGeom prst="rect">
             <a:avLst/>
@@ -7899,7 +8082,7 @@
                   <a:srgbClr val="000000"/>
                 </a:solidFill>
               </a:rPr>
-              <a:t>As can be seen in figure 3, on their own as data points these values don’t appear to give any information, so a line graph attaching them together is built. </a:t>
+              <a:t>As can be seen in figure 3, on their own as data points these values don’t appear to give any information, so a line graph joining them is built. </a:t>
             </a:r>
             <a:r>
               <a:rPr lang="en-US" dirty="0">
@@ -8302,7 +8485,7 @@
         </p:blipFill>
         <p:spPr>
           <a:xfrm>
-            <a:off x="26454100" y="6102342"/>
+            <a:off x="26708095" y="6102342"/>
             <a:ext cx="5511800" cy="4762500"/>
           </a:xfrm>
           <a:prstGeom prst="rect">
@@ -8332,7 +8515,7 @@
         </p:blipFill>
         <p:spPr>
           <a:xfrm>
-            <a:off x="32452733" y="6102346"/>
+            <a:off x="32198738" y="6102346"/>
             <a:ext cx="5511800" cy="4762500"/>
           </a:xfrm>
           <a:prstGeom prst="rect">
@@ -8348,7 +8531,7 @@
         </p:nvSpPr>
         <p:spPr>
           <a:xfrm>
-            <a:off x="26365202" y="10794256"/>
+            <a:off x="26636130" y="10794256"/>
             <a:ext cx="1467319" cy="461665"/>
           </a:xfrm>
           <a:prstGeom prst="rect">
@@ -8423,7 +8606,7 @@
                   <a:srgbClr val="000000"/>
                 </a:solidFill>
               </a:rPr>
-              <a:t>There are many ways this experiment could be improved upon, some more intensive than others. Obviously it would be ideal to raise the accuracy of the models when testing on the ISEAR dataset. This could be done by employing more pre-processing of the text before passing it to the models. For example, part-of-speech (POS) tagging could add more insight, as could looking at the text as trigrams rather than as individual words or bigrams, which is what the SVM is doing currently. </a:t>
+              <a:t>There are many ways this experiment could be improved upon, some more intensive than others. Obviously it would be ideal to raise the accuracy of the models when testing on the ISEAR dataset. This could be done by employing more pre-processing of the text before passing it to the models. For example, part-of-speech (POS) tagging could add more insight, as could looking at the text as trigrams rather than as individual words or bigrams.</a:t>
             </a:r>
           </a:p>
           <a:p>

--- a/FinalPoster.pptx
+++ b/FinalPoster.pptx
@@ -4398,7 +4398,23 @@
                   <a:srgbClr val="A6A6A6"/>
                 </a:solidFill>
               </a:rPr>
-              <a:t>Mapping Emotional Landscapes of Fiction using Machine Learning Techniques</a:t>
+              <a:t>Mapping Emotional Landscapes of </a:t>
+            </a:r>
+            <a:r>
+              <a:rPr lang="en-US" sz="6000" smtClean="0">
+                <a:solidFill>
+                  <a:srgbClr val="A6A6A6"/>
+                </a:solidFill>
+              </a:rPr>
+              <a:t>Fiction Using </a:t>
+            </a:r>
+            <a:r>
+              <a:rPr lang="en-US" sz="6000" dirty="0" smtClean="0">
+                <a:solidFill>
+                  <a:srgbClr val="A6A6A6"/>
+                </a:solidFill>
+              </a:rPr>
+              <a:t>Machine Learning Techniques</a:t>
             </a:r>
           </a:p>
           <a:p>
